--- a/#feminism-#demography-lecture-abigail-smith-adams.pptx
+++ b/#feminism-#demography-lecture-abigail-smith-adams.pptx
@@ -516,7 +516,7 @@
       </p:grpSpPr>
       <p:sp>
         <p:nvSpPr>
-          <p:cNvPr id="156" name="Shape 156"/>
+          <p:cNvPr id="157" name="Shape 157"/>
           <p:cNvSpPr/>
           <p:nvPr>
             <p:ph type="sldImg"/>
@@ -537,7 +537,7 @@
       </p:sp>
       <p:sp>
         <p:nvSpPr>
-          <p:cNvPr id="157" name="Shape 157"/>
+          <p:cNvPr id="158" name="Shape 158"/>
           <p:cNvSpPr/>
           <p:nvPr>
             <p:ph type="body" sz="quarter" idx="1"/>
@@ -4324,8 +4324,8 @@
         </p:nvSpPr>
         <p:spPr>
           <a:xfrm>
-            <a:off x="1117195" y="9310948"/>
-            <a:ext cx="684626" cy="459996"/>
+            <a:off x="0" y="9348117"/>
+            <a:ext cx="684626" cy="459995"/>
           </a:xfrm>
           <a:prstGeom prst="rect">
             <a:avLst/>
@@ -4405,6 +4405,53 @@
           </a:ln>
         </p:spPr>
       </p:pic>
+      <p:sp>
+        <p:nvSpPr>
+          <p:cNvPr id="156" name="https://github.com/braddelong/public-files/blob/master/%23feminism-%23demography-lecture-abigail-smith-adams.pptx"/>
+          <p:cNvSpPr txBox="1"/>
+          <p:nvPr/>
+        </p:nvSpPr>
+        <p:spPr>
+          <a:xfrm>
+            <a:off x="5962522" y="9503155"/>
+            <a:ext cx="7042278" cy="250445"/>
+          </a:xfrm>
+          <a:prstGeom prst="rect">
+            <a:avLst/>
+          </a:prstGeom>
+          <a:ln w="12700">
+            <a:miter lim="400000"/>
+          </a:ln>
+          <a:extLst>
+            <a:ext uri="{C572A759-6A51-4108-AA02-DFA0A04FC94B}">
+              <ma14:wrappingTextBoxFlag xmlns:ma14="http://schemas.microsoft.com/office/mac/drawingml/2011/main" val="1"/>
+            </a:ext>
+          </a:extLst>
+        </p:spPr>
+        <p:txBody>
+          <a:bodyPr wrap="none" lIns="50800" tIns="50800" rIns="50800" bIns="50800" anchor="ctr">
+            <a:spAutoFit/>
+          </a:bodyPr>
+          <a:lstStyle>
+            <a:lvl1pPr>
+              <a:defRPr sz="1000" u="sng">
+                <a:hlinkClick r:id="rId8" invalidUrl="" action="" tgtFrame="" tooltip="" history="1" highlightClick="0" endSnd="0"/>
+              </a:defRPr>
+            </a:lvl1pPr>
+          </a:lstStyle>
+          <a:p>
+            <a:pPr>
+              <a:defRPr u="none"/>
+            </a:pPr>
+            <a:r>
+              <a:rPr u="sng">
+                <a:hlinkClick r:id="rId8" invalidUrl="" action="" tgtFrame="" tooltip="" history="1" highlightClick="0" endSnd="0"/>
+              </a:rPr>
+              <a:t>https://github.com/braddelong/public-files/blob/master/%23feminism-%23demography-lecture-abigail-smith-adams.pptx</a:t>
+            </a:r>
+          </a:p>
+        </p:txBody>
+      </p:sp>
     </p:spTree>
   </p:cSld>
   <p:clrMapOvr>
@@ -4510,7 +4557,7 @@
       </p:grpSpPr>
       <p:pic>
         <p:nvPicPr>
-          <p:cNvPr id="159" name="abigail_adams_-_Google_Search.png" descr="abigail_adams_-_Google_Search.png"/>
+          <p:cNvPr id="160" name="abigail_adams_-_Google_Search.png" descr="abigail_adams_-_Google_Search.png"/>
           <p:cNvPicPr>
             <a:picLocks noChangeAspect="1"/>
           </p:cNvPicPr>
@@ -4540,7 +4587,7 @@
       </p:pic>
       <p:sp>
         <p:nvSpPr>
-          <p:cNvPr id="160" name="Demanding Knowledge on Public Affairs—Mostly Questions About Massachusetts’s Virginia Allies"/>
+          <p:cNvPr id="161" name="Demanding Knowledge on Public Affairs—Mostly Questions About Massachusetts’s Virginia Allies"/>
           <p:cNvSpPr txBox="1"/>
           <p:nvPr>
             <p:ph type="title" idx="4294967295"/>
@@ -4588,7 +4635,7 @@
       </p:sp>
       <p:sp>
         <p:nvSpPr>
-          <p:cNvPr id="161" name="And she has strong opinions about public affairs:…"/>
+          <p:cNvPr id="162" name="And she has strong opinions about public affairs:…"/>
           <p:cNvSpPr txBox="1"/>
           <p:nvPr/>
         </p:nvSpPr>
@@ -4900,7 +4947,7 @@
       </p:grpSpPr>
       <p:pic>
         <p:nvPicPr>
-          <p:cNvPr id="163" name="abigail_adams_-_Google_Search.png" descr="abigail_adams_-_Google_Search.png"/>
+          <p:cNvPr id="164" name="abigail_adams_-_Google_Search.png" descr="abigail_adams_-_Google_Search.png"/>
           <p:cNvPicPr>
             <a:picLocks noChangeAspect="1"/>
           </p:cNvPicPr>
@@ -4930,7 +4977,7 @@
       </p:pic>
       <p:sp>
         <p:nvSpPr>
-          <p:cNvPr id="164" name="The Letter: Focus on Feminist Concerns"/>
+          <p:cNvPr id="165" name="The Letter: Focus on Feminist Concerns"/>
           <p:cNvSpPr txBox="1"/>
           <p:nvPr>
             <p:ph type="title" idx="4294967295"/>
@@ -4978,7 +5025,7 @@
       </p:sp>
       <p:sp>
         <p:nvSpPr>
-          <p:cNvPr id="165" name="Introduced in a “by the way”—cf. Alexandra Petri: A Woman, in a Meeting &lt;https://www.bradford-delong.com/2020/07/petri-2015-woman.html&gt;:…"/>
+          <p:cNvPr id="166" name="Introduced in a “by the way”—cf. Alexandra Petri: A Woman, in a Meeting &lt;https://www.bradford-delong.com/2020/07/petri-2015-woman.html&gt;:…"/>
           <p:cNvSpPr txBox="1"/>
           <p:nvPr/>
         </p:nvSpPr>
@@ -5150,7 +5197,7 @@
       </p:grpSpPr>
       <p:pic>
         <p:nvPicPr>
-          <p:cNvPr id="167" name="abigail_adams_-_Google_Search.png" descr="abigail_adams_-_Google_Search.png"/>
+          <p:cNvPr id="168" name="abigail_adams_-_Google_Search.png" descr="abigail_adams_-_Google_Search.png"/>
           <p:cNvPicPr>
             <a:picLocks noChangeAspect="1"/>
           </p:cNvPicPr>
@@ -5180,7 +5227,7 @@
       </p:pic>
       <p:sp>
         <p:nvSpPr>
-          <p:cNvPr id="168" name="The Letter: What Things She Is Doing While He Is Away in Philadelphia at the Continental Congress"/>
+          <p:cNvPr id="169" name="The Letter: What Things She Is Doing While He Is Away in Philadelphia at the Continental Congress"/>
           <p:cNvSpPr txBox="1"/>
           <p:nvPr>
             <p:ph type="title" idx="4294967295"/>
@@ -5228,7 +5275,7 @@
       </p:sp>
       <p:sp>
         <p:nvSpPr>
-          <p:cNvPr id="169" name="Running his Boston-Braintree farming-real estate operation:…"/>
+          <p:cNvPr id="170" name="Running his Boston-Braintree farming-real estate operation:…"/>
           <p:cNvSpPr txBox="1"/>
           <p:nvPr/>
         </p:nvSpPr>
@@ -5656,7 +5703,7 @@
       </p:grpSpPr>
       <p:pic>
         <p:nvPicPr>
-          <p:cNvPr id="171" name="abigail_adams_-_Google_Search.png" descr="abigail_adams_-_Google_Search.png"/>
+          <p:cNvPr id="172" name="abigail_adams_-_Google_Search.png" descr="abigail_adams_-_Google_Search.png"/>
           <p:cNvPicPr>
             <a:picLocks noChangeAspect="1"/>
           </p:cNvPicPr>
@@ -5686,7 +5733,7 @@
       </p:pic>
       <p:sp>
         <p:nvSpPr>
-          <p:cNvPr id="172" name="The Letter: Pleas for More Information, Contact, &amp; Context"/>
+          <p:cNvPr id="173" name="The Letter: Pleas for More Information, Contact, &amp; Context"/>
           <p:cNvSpPr txBox="1"/>
           <p:nvPr>
             <p:ph type="title" idx="4294967295"/>
@@ -5734,7 +5781,7 @@
       </p:sp>
       <p:sp>
         <p:nvSpPr>
-          <p:cNvPr id="173" name="Pleas for more information:…"/>
+          <p:cNvPr id="174" name="Pleas for more information:…"/>
           <p:cNvSpPr txBox="1"/>
           <p:nvPr/>
         </p:nvSpPr>
@@ -6136,7 +6183,7 @@
       </p:grpSpPr>
       <p:pic>
         <p:nvPicPr>
-          <p:cNvPr id="175" name="abigail_adams_-_Google_Search.png" descr="abigail_adams_-_Google_Search.png"/>
+          <p:cNvPr id="176" name="abigail_adams_-_Google_Search.png" descr="abigail_adams_-_Google_Search.png"/>
           <p:cNvPicPr>
             <a:picLocks noChangeAspect="1"/>
           </p:cNvPicPr>
@@ -6166,7 +6213,7 @@
       </p:pic>
       <p:sp>
         <p:nvSpPr>
-          <p:cNvPr id="176" name="Abigail Smith Adams: Social Roles"/>
+          <p:cNvPr id="177" name="Abigail Smith Adams: Social Roles"/>
           <p:cNvSpPr txBox="1"/>
           <p:nvPr>
             <p:ph type="title" idx="4294967295"/>
@@ -6214,7 +6261,7 @@
       </p:sp>
       <p:sp>
         <p:nvSpPr>
-          <p:cNvPr id="177" name="Time Spent Eating for Two:…"/>
+          <p:cNvPr id="178" name="Time Spent Eating for Two:…"/>
           <p:cNvSpPr txBox="1"/>
           <p:nvPr/>
         </p:nvSpPr>
@@ -6708,7 +6755,7 @@
       </p:grpSpPr>
       <p:sp>
         <p:nvSpPr>
-          <p:cNvPr id="179" name="John Adams’s Reply to Abigail"/>
+          <p:cNvPr id="180" name="John Adams’s Reply to Abigail"/>
           <p:cNvSpPr txBox="1"/>
           <p:nvPr>
             <p:ph type="title" idx="4294967295"/>
@@ -6756,7 +6803,7 @@
       </p:sp>
       <p:sp>
         <p:nvSpPr>
-          <p:cNvPr id="180" name="As to your extraordinary code of laws, I cannot but laugh.…"/>
+          <p:cNvPr id="181" name="As to your extraordinary code of laws, I cannot but laugh.…"/>
           <p:cNvSpPr txBox="1"/>
           <p:nvPr/>
         </p:nvSpPr>
@@ -6938,7 +6985,7 @@
       </p:sp>
       <p:pic>
         <p:nvPicPr>
-          <p:cNvPr id="181" name="Image" descr="Image"/>
+          <p:cNvPr id="182" name="Image" descr="Image"/>
           <p:cNvPicPr>
             <a:picLocks noChangeAspect="1"/>
           </p:cNvPicPr>

--- a/#feminism-#demography-lecture-abigail-smith-adams.pptx
+++ b/#feminism-#demography-lecture-abigail-smith-adams.pptx
@@ -15,6 +15,7 @@
     <p:sldId id="260" r:id="rId12"/>
     <p:sldId id="261" r:id="rId13"/>
     <p:sldId id="262" r:id="rId14"/>
+    <p:sldId id="263" r:id="rId15"/>
   </p:sldIdLst>
   <p:sldSz cx="13004800" cy="9753600"/>
   <p:notesSz cx="6858000" cy="9144000"/>
@@ -516,7 +517,7 @@
       </p:grpSpPr>
       <p:sp>
         <p:nvSpPr>
-          <p:cNvPr id="157" name="Shape 157"/>
+          <p:cNvPr id="156" name="Shape 156"/>
           <p:cNvSpPr/>
           <p:nvPr>
             <p:ph type="sldImg"/>
@@ -537,7 +538,7 @@
       </p:sp>
       <p:sp>
         <p:nvSpPr>
-          <p:cNvPr id="158" name="Shape 158"/>
+          <p:cNvPr id="157" name="Shape 157"/>
           <p:cNvSpPr/>
           <p:nvPr>
             <p:ph type="body" sz="quarter" idx="1"/>
@@ -4325,7 +4326,7 @@
         <p:spPr>
           <a:xfrm>
             <a:off x="0" y="9348117"/>
-            <a:ext cx="684626" cy="459995"/>
+            <a:ext cx="1640549" cy="459995"/>
           </a:xfrm>
           <a:prstGeom prst="rect">
             <a:avLst/>
@@ -4364,57 +4365,21 @@
           <a:p>
             <a:pPr/>
             <a:r>
-              <a:t>1:00</a:t>
+              <a:t>audio track?</a:t>
             </a:r>
           </a:p>
         </p:txBody>
       </p:sp>
-      <p:pic>
-        <p:nvPicPr>
-          <p:cNvPr id="155" name="Audio Recording.m4a" descr="Audio Recording.m4a"/>
-          <p:cNvPicPr>
-            <a:picLocks noChangeAspect="0"/>
-          </p:cNvPicPr>
-          <p:nvPr>
-            <a:audioFile r:link="rId5"/>
-            <p:extLst>
-              <p:ext uri="{DAA4B4D4-6D71-4841-9C94-3DE7FCFB9230}">
-                <p14:media xmlns:p14="http://schemas.microsoft.com/office/powerpoint/2010/main" r:embed="rId6"/>
-              </p:ext>
-            </p:extLst>
-          </p:nvPr>
-        </p:nvPicPr>
-        <p:blipFill>
-          <a:blip r:embed="rId7">
-            <a:extLst/>
-          </a:blip>
-          <a:stretch>
-            <a:fillRect/>
-          </a:stretch>
-        </p:blipFill>
-        <p:spPr>
-          <a:xfrm>
-            <a:off x="-20008" y="8518144"/>
-            <a:ext cx="571501" cy="571501"/>
-          </a:xfrm>
-          <a:prstGeom prst="rect">
-            <a:avLst/>
-          </a:prstGeom>
-          <a:ln w="12700">
-            <a:miter lim="400000"/>
-          </a:ln>
-        </p:spPr>
-      </p:pic>
       <p:sp>
         <p:nvSpPr>
-          <p:cNvPr id="156" name="https://github.com/braddelong/public-files/blob/master/%23feminism-%23demography-lecture-abigail-smith-adams.pptx"/>
+          <p:cNvPr id="155" name="https://github.com/braddelong/public-files/blob/master/%23feminism-%23demography-lecture-abigail-smith-adams.pdf"/>
           <p:cNvSpPr txBox="1"/>
           <p:nvPr/>
         </p:nvSpPr>
         <p:spPr>
           <a:xfrm>
-            <a:off x="5962522" y="9503155"/>
-            <a:ext cx="7042278" cy="250445"/>
+            <a:off x="5996622" y="9503155"/>
+            <a:ext cx="6974079" cy="250445"/>
           </a:xfrm>
           <a:prstGeom prst="rect">
             <a:avLst/>
@@ -4434,20 +4399,13 @@
           </a:bodyPr>
           <a:lstStyle>
             <a:lvl1pPr>
-              <a:defRPr sz="1000" u="sng">
-                <a:hlinkClick r:id="rId8" invalidUrl="" action="" tgtFrame="" tooltip="" history="1" highlightClick="0" endSnd="0"/>
-              </a:defRPr>
+              <a:defRPr sz="1000"/>
             </a:lvl1pPr>
           </a:lstStyle>
           <a:p>
-            <a:pPr>
-              <a:defRPr u="none"/>
-            </a:pPr>
-            <a:r>
-              <a:rPr u="sng">
-                <a:hlinkClick r:id="rId8" invalidUrl="" action="" tgtFrame="" tooltip="" history="1" highlightClick="0" endSnd="0"/>
-              </a:rPr>
-              <a:t>https://github.com/braddelong/public-files/blob/master/%23feminism-%23demography-lecture-abigail-smith-adams.pptx</a:t>
+            <a:pPr/>
+            <a:r>
+              <a:t>https://github.com/braddelong/public-files/blob/master/%23feminism-%23demography-lecture-abigail-smith-adams.pdf</a:t>
             </a:r>
           </a:p>
         </p:txBody>
@@ -4458,83 +4416,6 @@
     <a:masterClrMapping/>
   </p:clrMapOvr>
   <p:transition xmlns:p14="http://schemas.microsoft.com/office/powerpoint/2010/main" spd="med" advClick="1"/>
-  <p:timing>
-    <p:tnLst>
-      <p:par>
-        <p:cTn id="1" nodeType="tmRoot" restart="never" dur="indefinite" fill="hold">
-          <p:childTnLst>
-            <p:seq concurrent="1" prevAc="none" nextAc="seek">
-              <p:cTn id="2" nodeType="mainSeq" dur="indefinite" fill="hold">
-                <p:childTnLst>
-                  <p:par>
-                    <p:cTn id="3" fill="hold">
-                      <p:stCondLst>
-                        <p:cond delay="indefinite"/>
-                      </p:stCondLst>
-                      <p:childTnLst>
-                        <p:par>
-                          <p:cTn id="4" fill="hold">
-                            <p:stCondLst>
-                              <p:cond delay="0"/>
-                            </p:stCondLst>
-                            <p:childTnLst>
-                              <p:par>
-                                <p:cTn id="5" presetClass="mediacall" nodeType="clickEffect" presetSubtype="0" presetID="1" grpId="1" fill="hold">
-                                  <p:stCondLst>
-                                    <p:cond delay="0"/>
-                                  </p:stCondLst>
-                                  <p:childTnLst>
-                                    <p:cmd type="call" cmd="playFrom(0.0)">
-                                      <p:cBhvr>
-                                        <p:cTn id="6" dur="55498332" fill="hold"/>
-                                        <p:tgtEl>
-                                          <p:spTgt spid="155"/>
-                                        </p:tgtEl>
-                                      </p:cBhvr>
-                                    </p:cmd>
-                                  </p:childTnLst>
-                                </p:cTn>
-                              </p:par>
-                            </p:childTnLst>
-                          </p:cTn>
-                        </p:par>
-                      </p:childTnLst>
-                    </p:cTn>
-                  </p:par>
-                </p:childTnLst>
-              </p:cTn>
-              <p:prevCondLst>
-                <p:cond evt="onPrev">
-                  <p:tgtEl>
-                    <p:sldTgt/>
-                  </p:tgtEl>
-                </p:cond>
-              </p:prevCondLst>
-              <p:nextCondLst>
-                <p:cond evt="onNext">
-                  <p:tgtEl>
-                    <p:sldTgt/>
-                  </p:tgtEl>
-                </p:cond>
-              </p:nextCondLst>
-            </p:seq>
-            <p:audio isNarration="0">
-              <p:cMediaNode mute="0" showWhenStopped="0" numSld="1" vol="100000">
-                <p:cTn id="7" fill="hold" display="0">
-                  <p:stCondLst>
-                    <p:cond delay="indefinite"/>
-                  </p:stCondLst>
-                </p:cTn>
-                <p:tgtEl>
-                  <p:spTgt spid="155"/>
-                </p:tgtEl>
-              </p:cMediaNode>
-            </p:audio>
-          </p:childTnLst>
-        </p:cTn>
-      </p:par>
-    </p:tnLst>
-  </p:timing>
 </p:sld>
 </file>
 
@@ -4557,7 +4438,7 @@
       </p:grpSpPr>
       <p:pic>
         <p:nvPicPr>
-          <p:cNvPr id="160" name="abigail_adams_-_Google_Search.png" descr="abigail_adams_-_Google_Search.png"/>
+          <p:cNvPr id="159" name="abigail_adams_-_Google_Search.png" descr="abigail_adams_-_Google_Search.png"/>
           <p:cNvPicPr>
             <a:picLocks noChangeAspect="1"/>
           </p:cNvPicPr>
@@ -4587,7 +4468,7 @@
       </p:pic>
       <p:sp>
         <p:nvSpPr>
-          <p:cNvPr id="161" name="Demanding Knowledge on Public Affairs—Mostly Questions About Massachusetts’s Virginia Allies"/>
+          <p:cNvPr id="160" name="Demanding Knowledge on Public Affairs—Mostly Questions About Massachusetts’s Virginia Allies"/>
           <p:cNvSpPr txBox="1"/>
           <p:nvPr>
             <p:ph type="title" idx="4294967295"/>
@@ -4635,7 +4516,7 @@
       </p:sp>
       <p:sp>
         <p:nvSpPr>
-          <p:cNvPr id="162" name="And she has strong opinions about public affairs:…"/>
+          <p:cNvPr id="161" name="And she has strong opinions about public affairs:…"/>
           <p:cNvSpPr txBox="1"/>
           <p:nvPr/>
         </p:nvSpPr>
@@ -4947,7 +4828,7 @@
       </p:grpSpPr>
       <p:pic>
         <p:nvPicPr>
-          <p:cNvPr id="164" name="abigail_adams_-_Google_Search.png" descr="abigail_adams_-_Google_Search.png"/>
+          <p:cNvPr id="163" name="abigail_adams_-_Google_Search.png" descr="abigail_adams_-_Google_Search.png"/>
           <p:cNvPicPr>
             <a:picLocks noChangeAspect="1"/>
           </p:cNvPicPr>
@@ -4977,7 +4858,7 @@
       </p:pic>
       <p:sp>
         <p:nvSpPr>
-          <p:cNvPr id="165" name="The Letter: Focus on Feminist Concerns"/>
+          <p:cNvPr id="164" name="The Letter: Focus on Feminist Concerns"/>
           <p:cNvSpPr txBox="1"/>
           <p:nvPr>
             <p:ph type="title" idx="4294967295"/>
@@ -5025,7 +4906,7 @@
       </p:sp>
       <p:sp>
         <p:nvSpPr>
-          <p:cNvPr id="166" name="Introduced in a “by the way”—cf. Alexandra Petri: A Woman, in a Meeting &lt;https://www.bradford-delong.com/2020/07/petri-2015-woman.html&gt;:…"/>
+          <p:cNvPr id="165" name="Introduced in a “by the way”—cf. Alexandra Petri: A Woman, in a Meeting &lt;https://www.bradford-delong.com/2020/07/petri-2015-woman.html&gt;:…"/>
           <p:cNvSpPr txBox="1"/>
           <p:nvPr/>
         </p:nvSpPr>
@@ -5197,7 +5078,7 @@
       </p:grpSpPr>
       <p:pic>
         <p:nvPicPr>
-          <p:cNvPr id="168" name="abigail_adams_-_Google_Search.png" descr="abigail_adams_-_Google_Search.png"/>
+          <p:cNvPr id="167" name="abigail_adams_-_Google_Search.png" descr="abigail_adams_-_Google_Search.png"/>
           <p:cNvPicPr>
             <a:picLocks noChangeAspect="1"/>
           </p:cNvPicPr>
@@ -5227,7 +5108,7 @@
       </p:pic>
       <p:sp>
         <p:nvSpPr>
-          <p:cNvPr id="169" name="The Letter: What Things She Is Doing While He Is Away in Philadelphia at the Continental Congress"/>
+          <p:cNvPr id="168" name="The Letter: What Things She Is Doing While He Is Away in Philadelphia at the Continental Congress"/>
           <p:cNvSpPr txBox="1"/>
           <p:nvPr>
             <p:ph type="title" idx="4294967295"/>
@@ -5275,7 +5156,7 @@
       </p:sp>
       <p:sp>
         <p:nvSpPr>
-          <p:cNvPr id="170" name="Running his Boston-Braintree farming-real estate operation:…"/>
+          <p:cNvPr id="169" name="Running his Boston-Braintree farming-real estate operation:…"/>
           <p:cNvSpPr txBox="1"/>
           <p:nvPr/>
         </p:nvSpPr>
@@ -5703,7 +5584,7 @@
       </p:grpSpPr>
       <p:pic>
         <p:nvPicPr>
-          <p:cNvPr id="172" name="abigail_adams_-_Google_Search.png" descr="abigail_adams_-_Google_Search.png"/>
+          <p:cNvPr id="171" name="abigail_adams_-_Google_Search.png" descr="abigail_adams_-_Google_Search.png"/>
           <p:cNvPicPr>
             <a:picLocks noChangeAspect="1"/>
           </p:cNvPicPr>
@@ -5733,7 +5614,7 @@
       </p:pic>
       <p:sp>
         <p:nvSpPr>
-          <p:cNvPr id="173" name="The Letter: Pleas for More Information, Contact, &amp; Context"/>
+          <p:cNvPr id="172" name="The Letter: Pleas for More Information, Contact, &amp; Context"/>
           <p:cNvSpPr txBox="1"/>
           <p:nvPr>
             <p:ph type="title" idx="4294967295"/>
@@ -5781,7 +5662,7 @@
       </p:sp>
       <p:sp>
         <p:nvSpPr>
-          <p:cNvPr id="174" name="Pleas for more information:…"/>
+          <p:cNvPr id="173" name="Pleas for more information:…"/>
           <p:cNvSpPr txBox="1"/>
           <p:nvPr/>
         </p:nvSpPr>
@@ -6183,7 +6064,7 @@
       </p:grpSpPr>
       <p:pic>
         <p:nvPicPr>
-          <p:cNvPr id="176" name="abigail_adams_-_Google_Search.png" descr="abigail_adams_-_Google_Search.png"/>
+          <p:cNvPr id="175" name="abigail_adams_-_Google_Search.png" descr="abigail_adams_-_Google_Search.png"/>
           <p:cNvPicPr>
             <a:picLocks noChangeAspect="1"/>
           </p:cNvPicPr>
@@ -6213,7 +6094,7 @@
       </p:pic>
       <p:sp>
         <p:nvSpPr>
-          <p:cNvPr id="177" name="Abigail Smith Adams: Social Roles"/>
+          <p:cNvPr id="176" name="Abigail Smith Adams: Social Roles"/>
           <p:cNvSpPr txBox="1"/>
           <p:nvPr>
             <p:ph type="title" idx="4294967295"/>
@@ -6261,7 +6142,7 @@
       </p:sp>
       <p:sp>
         <p:nvSpPr>
-          <p:cNvPr id="178" name="Time Spent Eating for Two:…"/>
+          <p:cNvPr id="177" name="Time Spent Eating for Two:…"/>
           <p:cNvSpPr txBox="1"/>
           <p:nvPr/>
         </p:nvSpPr>
@@ -6755,7 +6636,7 @@
       </p:grpSpPr>
       <p:sp>
         <p:nvSpPr>
-          <p:cNvPr id="180" name="John Adams’s Reply to Abigail"/>
+          <p:cNvPr id="179" name="John Adams’s Reply to Abigail"/>
           <p:cNvSpPr txBox="1"/>
           <p:nvPr>
             <p:ph type="title" idx="4294967295"/>
@@ -6803,7 +6684,7 @@
       </p:sp>
       <p:sp>
         <p:nvSpPr>
-          <p:cNvPr id="181" name="As to your extraordinary code of laws, I cannot but laugh.…"/>
+          <p:cNvPr id="180" name="As to your extraordinary code of laws, I cannot but laugh.…"/>
           <p:cNvSpPr txBox="1"/>
           <p:nvPr/>
         </p:nvSpPr>
@@ -6985,7 +6866,7 @@
       </p:sp>
       <p:pic>
         <p:nvPicPr>
-          <p:cNvPr id="182" name="Image" descr="Image"/>
+          <p:cNvPr id="181" name="Image" descr="Image"/>
           <p:cNvPicPr>
             <a:picLocks noChangeAspect="1"/>
           </p:cNvPicPr>
@@ -7003,6 +6884,302 @@
           <a:xfrm>
             <a:off x="6975689" y="1625599"/>
             <a:ext cx="5851179" cy="7685477"/>
+          </a:xfrm>
+          <a:prstGeom prst="rect">
+            <a:avLst/>
+          </a:prstGeom>
+          <a:ln w="12700">
+            <a:miter lim="400000"/>
+          </a:ln>
+        </p:spPr>
+      </p:pic>
+    </p:spTree>
+  </p:cSld>
+  <p:clrMapOvr>
+    <a:masterClrMapping/>
+  </p:clrMapOvr>
+  <p:transition xmlns:p14="http://schemas.microsoft.com/office/powerpoint/2010/main" spd="med" advClick="1"/>
+</p:sld>
+</file>
+
+<file path=ppt/slides/slide8.xml><?xml version="1.0" encoding="utf-8"?>
+<p:sld xmlns:a="http://schemas.openxmlformats.org/drawingml/2006/main" xmlns:r="http://schemas.openxmlformats.org/officeDocument/2006/relationships" xmlns:p="http://schemas.openxmlformats.org/presentationml/2006/main" xmlns:m="http://schemas.openxmlformats.org/officeDocument/2006/math" xmlns:a14="http://schemas.microsoft.com/office/drawing/2010/main" showMasterSp="1" showMasterPhAnim="1">
+  <p:cSld>
+    <p:spTree>
+      <p:nvGrpSpPr>
+        <p:cNvPr id="1" name=""/>
+        <p:cNvGrpSpPr/>
+        <p:nvPr/>
+      </p:nvGrpSpPr>
+      <p:grpSpPr>
+        <a:xfrm>
+          <a:off x="0" y="0"/>
+          <a:ext cx="0" cy="0"/>
+          <a:chOff x="0" y="0"/>
+          <a:chExt cx="0" cy="0"/>
+        </a:xfrm>
+      </p:grpSpPr>
+      <p:sp>
+        <p:nvSpPr>
+          <p:cNvPr id="183" name="Deaths in Childbed: British Queens"/>
+          <p:cNvSpPr txBox="1"/>
+          <p:nvPr>
+            <p:ph type="title" idx="4294967295"/>
+          </p:nvPr>
+        </p:nvSpPr>
+        <p:spPr>
+          <a:xfrm>
+            <a:off x="183312" y="-1"/>
+            <a:ext cx="12643557" cy="1625601"/>
+          </a:xfrm>
+          <a:prstGeom prst="rect">
+            <a:avLst/>
+          </a:prstGeom>
+        </p:spPr>
+        <p:txBody>
+          <a:bodyPr lIns="72248" tIns="72248" rIns="72248" bIns="72248" anchor="ctr"/>
+          <a:lstStyle>
+            <a:lvl1pPr marL="40075" indent="-40075" algn="ctr" defTabSz="923340">
+              <a:lnSpc>
+                <a:spcPct val="100000"/>
+              </a:lnSpc>
+              <a:defRPr spc="0" sz="6815">
+                <a:solidFill>
+                  <a:srgbClr val="000080"/>
+                </a:solidFill>
+                <a:uFill>
+                  <a:solidFill>
+                    <a:srgbClr val="000000"/>
+                  </a:solidFill>
+                </a:uFill>
+                <a:latin typeface="Calibri"/>
+                <a:ea typeface="Calibri"/>
+                <a:cs typeface="Calibri"/>
+                <a:sym typeface="Calibri"/>
+              </a:defRPr>
+            </a:lvl1pPr>
+          </a:lstStyle>
+          <a:p>
+            <a:pPr/>
+            <a:r>
+              <a:t>Deaths in Childbed: British Queens</a:t>
+            </a:r>
+          </a:p>
+        </p:txBody>
+      </p:sp>
+      <p:sp>
+        <p:nvSpPr>
+          <p:cNvPr id="184" name="The most cosseted and highest status women in the British isles:…"/>
+          <p:cNvSpPr txBox="1"/>
+          <p:nvPr/>
+        </p:nvSpPr>
+        <p:spPr>
+          <a:xfrm>
+            <a:off x="183312" y="1625599"/>
+            <a:ext cx="12643556" cy="3648239"/>
+          </a:xfrm>
+          <a:prstGeom prst="rect">
+            <a:avLst/>
+          </a:prstGeom>
+          <a:ln w="12700">
+            <a:miter lim="400000"/>
+          </a:ln>
+          <a:extLst>
+            <a:ext uri="{C572A759-6A51-4108-AA02-DFA0A04FC94B}">
+              <ma14:wrappingTextBoxFlag xmlns:ma14="http://schemas.microsoft.com/office/mac/drawingml/2011/main" val="1"/>
+            </a:ext>
+          </a:extLst>
+        </p:spPr>
+        <p:txBody>
+          <a:bodyPr lIns="72248" tIns="72248" rIns="72248" bIns="72248"/>
+          <a:lstStyle/>
+          <a:p>
+            <a:pPr algn="l" defTabSz="1300480">
+              <a:spcBef>
+                <a:spcPts val="800"/>
+              </a:spcBef>
+              <a:defRPr b="1" sz="2400">
+                <a:solidFill>
+                  <a:srgbClr val="000000"/>
+                </a:solidFill>
+                <a:uFill>
+                  <a:solidFill>
+                    <a:srgbClr val="000000"/>
+                  </a:solidFill>
+                </a:uFill>
+                <a:latin typeface="Helvetica"/>
+                <a:ea typeface="Helvetica"/>
+                <a:cs typeface="Helvetica"/>
+                <a:sym typeface="Helvetica"/>
+              </a:defRPr>
+            </a:pPr>
+            <a:r>
+              <a:t>The most cosseted and highest status women in the British isles:</a:t>
+            </a:r>
+          </a:p>
+          <a:p>
+            <a:pPr marL="254000" indent="-254000" algn="l" defTabSz="1300480">
+              <a:spcBef>
+                <a:spcPts val="800"/>
+              </a:spcBef>
+              <a:buSzPct val="75000"/>
+              <a:buChar char="•"/>
+              <a:defRPr sz="2400">
+                <a:solidFill>
+                  <a:srgbClr val="000000"/>
+                </a:solidFill>
+                <a:uFill>
+                  <a:solidFill>
+                    <a:srgbClr val="000000"/>
+                  </a:solidFill>
+                </a:uFill>
+                <a:latin typeface="Times New Roman"/>
+                <a:ea typeface="Times New Roman"/>
+                <a:cs typeface="Times New Roman"/>
+                <a:sym typeface="Times New Roman"/>
+              </a:defRPr>
+            </a:pPr>
+            <a:r>
+              <a:t>16 generations from Henry IV to Victoria</a:t>
+            </a:r>
+          </a:p>
+          <a:p>
+            <a:pPr marL="254000" indent="-254000" algn="l" defTabSz="1300480">
+              <a:spcBef>
+                <a:spcPts val="800"/>
+              </a:spcBef>
+              <a:buSzPct val="75000"/>
+              <a:buChar char="•"/>
+              <a:defRPr sz="2400">
+                <a:solidFill>
+                  <a:srgbClr val="000000"/>
+                </a:solidFill>
+                <a:uFill>
+                  <a:solidFill>
+                    <a:srgbClr val="000000"/>
+                  </a:solidFill>
+                </a:uFill>
+                <a:latin typeface="Times New Roman"/>
+                <a:ea typeface="Times New Roman"/>
+                <a:cs typeface="Times New Roman"/>
+                <a:sym typeface="Times New Roman"/>
+              </a:defRPr>
+            </a:pPr>
+            <a:r>
+              <a:t>5 queens or heiresses apparent dead in childbed: Charlotte (Victoria’s generation), Catherine Parr, Jane Seymour, Elizabeth of York, Mary de Bohun</a:t>
+            </a:r>
+          </a:p>
+          <a:p>
+            <a:pPr marL="254000" indent="-254000" algn="l" defTabSz="1300480">
+              <a:spcBef>
+                <a:spcPts val="800"/>
+              </a:spcBef>
+              <a:buSzPct val="75000"/>
+              <a:buChar char="•"/>
+              <a:defRPr sz="2400">
+                <a:solidFill>
+                  <a:srgbClr val="000000"/>
+                </a:solidFill>
+                <a:uFill>
+                  <a:solidFill>
+                    <a:srgbClr val="000000"/>
+                  </a:solidFill>
+                </a:uFill>
+                <a:latin typeface="Times New Roman"/>
+                <a:ea typeface="Times New Roman"/>
+                <a:cs typeface="Times New Roman"/>
+                <a:sym typeface="Times New Roman"/>
+              </a:defRPr>
+            </a:pPr>
+            <a:r>
+              <a:t>At an average of two queens plus heiresses apparent per generation, this is a 16% childbed mortality rate</a:t>
+            </a:r>
+          </a:p>
+          <a:p>
+            <a:pPr marL="254000" indent="-254000" algn="l" defTabSz="1300480">
+              <a:spcBef>
+                <a:spcPts val="800"/>
+              </a:spcBef>
+              <a:buSzPct val="75000"/>
+              <a:buChar char="•"/>
+              <a:defRPr sz="2400">
+                <a:solidFill>
+                  <a:srgbClr val="000000"/>
+                </a:solidFill>
+                <a:uFill>
+                  <a:solidFill>
+                    <a:srgbClr val="000000"/>
+                  </a:solidFill>
+                </a:uFill>
+                <a:latin typeface="Times New Roman"/>
+                <a:ea typeface="Times New Roman"/>
+                <a:cs typeface="Times New Roman"/>
+                <a:sym typeface="Times New Roman"/>
+              </a:defRPr>
+            </a:pPr>
+            <a:r>
+              <a:t>2% maternal mortality </a:t>
+            </a:r>
+            <a:r>
+              <a:rPr b="1"/>
+              <a:t>per birth…</a:t>
+            </a:r>
+          </a:p>
+          <a:p>
+            <a:pPr marL="254000" indent="-254000" algn="l" defTabSz="1300480">
+              <a:spcBef>
+                <a:spcPts val="800"/>
+              </a:spcBef>
+              <a:buSzPct val="75000"/>
+              <a:buChar char="•"/>
+              <a:defRPr sz="2400">
+                <a:solidFill>
+                  <a:srgbClr val="000000"/>
+                </a:solidFill>
+                <a:uFill>
+                  <a:solidFill>
+                    <a:srgbClr val="000000"/>
+                  </a:solidFill>
+                </a:uFill>
+                <a:latin typeface="Times New Roman"/>
+                <a:ea typeface="Times New Roman"/>
+                <a:cs typeface="Times New Roman"/>
+                <a:sym typeface="Times New Roman"/>
+              </a:defRPr>
+            </a:pPr>
+            <a:r>
+              <a:t>1%? extra mortality </a:t>
+            </a:r>
+            <a:r>
+              <a:rPr b="1"/>
+              <a:t>per child</a:t>
+            </a:r>
+            <a:r>
+              <a:t> from caring for sick children…</a:t>
+            </a:r>
+          </a:p>
+        </p:txBody>
+      </p:sp>
+      <p:pic>
+        <p:nvPicPr>
+          <p:cNvPr id="185" name="British_School__16th_century_-_The_Family_of_Henry_VIII.png" descr="British_School__16th_century_-_The_Family_of_Henry_VIII.png"/>
+          <p:cNvPicPr>
+            <a:picLocks noChangeAspect="1"/>
+          </p:cNvPicPr>
+          <p:nvPr/>
+        </p:nvPicPr>
+        <p:blipFill>
+          <a:blip r:embed="rId2">
+            <a:extLst/>
+          </a:blip>
+          <a:stretch>
+            <a:fillRect/>
+          </a:stretch>
+        </p:blipFill>
+        <p:spPr>
+          <a:xfrm>
+            <a:off x="183312" y="5273837"/>
+            <a:ext cx="12643557" cy="4308259"/>
           </a:xfrm>
           <a:prstGeom prst="rect">
             <a:avLst/>
